--- a/Analyse spectrale.pptx
+++ b/Analyse spectrale.pptx
@@ -1603,777 +1603,6 @@
       <dsp:cNvGrpSpPr/>
     </dsp:nvGrpSpPr>
     <dsp:grpSpPr/>
-    <dsp:sp modelId="{B752F9F5-2482-4D52-A33E-BE0263F4B0EA}">
-      <dsp:nvSpPr>
-        <dsp:cNvPr id="0" name=""/>
-        <dsp:cNvSpPr/>
-      </dsp:nvSpPr>
-      <dsp:spPr>
-        <a:xfrm>
-          <a:off x="0" y="3443976"/>
-          <a:ext cx="5334000" cy="1130389"/>
-        </a:xfrm>
-        <a:prstGeom prst="rect">
-          <a:avLst/>
-        </a:prstGeom>
-        <a:solidFill>
-          <a:schemeClr val="accent3">
-            <a:hueOff val="0"/>
-            <a:satOff val="0"/>
-            <a:lumOff val="0"/>
-            <a:alphaOff val="0"/>
-          </a:schemeClr>
-        </a:solidFill>
-        <a:ln w="12700" cap="flat" cmpd="sng" algn="ctr">
-          <a:solidFill>
-            <a:schemeClr val="lt1">
-              <a:hueOff val="0"/>
-              <a:satOff val="0"/>
-              <a:lumOff val="0"/>
-              <a:alphaOff val="0"/>
-            </a:schemeClr>
-          </a:solidFill>
-          <a:prstDash val="solid"/>
-          <a:miter lim="800000"/>
-        </a:ln>
-        <a:effectLst/>
-      </dsp:spPr>
-      <dsp:style>
-        <a:lnRef idx="2">
-          <a:scrgbClr r="0" g="0" b="0"/>
-        </a:lnRef>
-        <a:fillRef idx="1">
-          <a:scrgbClr r="0" g="0" b="0"/>
-        </a:fillRef>
-        <a:effectRef idx="0">
-          <a:scrgbClr r="0" g="0" b="0"/>
-        </a:effectRef>
-        <a:fontRef idx="minor">
-          <a:schemeClr val="lt1"/>
-        </a:fontRef>
-      </dsp:style>
-      <dsp:txBody>
-        <a:bodyPr spcFirstLastPara="0" vert="horz" wrap="square" lIns="156464" tIns="156464" rIns="156464" bIns="156464" numCol="1" spcCol="1270" anchor="ctr" anchorCtr="0">
-          <a:noAutofit/>
-        </a:bodyPr>
-        <a:lstStyle/>
-        <a:p>
-          <a:pPr lvl="0" algn="ctr" defTabSz="914400">
-            <a:lnSpc>
-              <a:spcPct val="90000"/>
-            </a:lnSpc>
-            <a:spcBef>
-              <a:spcPct val="0"/>
-            </a:spcBef>
-            <a:spcAft>
-              <a:spcPct val="35000"/>
-            </a:spcAft>
-            <a:buNone/>
-          </a:pPr>
-          <a:r>
-            <a:rPr lang="fr-FR" sz="2200" kern="1200" noProof="0" dirty="0" smtClean="0"/>
-            <a:t>Étape 3</a:t>
-          </a:r>
-          <a:endParaRPr lang="fr-FR" sz="2200" kern="1200" noProof="0" dirty="0"/>
-        </a:p>
-      </dsp:txBody>
-      <dsp:txXfrm>
-        <a:off x="0" y="3443976"/>
-        <a:ext cx="5334000" cy="610410"/>
-      </dsp:txXfrm>
-    </dsp:sp>
-    <dsp:sp modelId="{C4F2ADBF-C592-483D-A6FF-5DB9D2A90309}">
-      <dsp:nvSpPr>
-        <dsp:cNvPr id="0" name=""/>
-        <dsp:cNvSpPr/>
-      </dsp:nvSpPr>
-      <dsp:spPr>
-        <a:xfrm>
-          <a:off x="0" y="4031779"/>
-          <a:ext cx="2667000" cy="519979"/>
-        </a:xfrm>
-        <a:prstGeom prst="rect">
-          <a:avLst/>
-        </a:prstGeom>
-        <a:solidFill>
-          <a:schemeClr val="accent3">
-            <a:tint val="40000"/>
-            <a:alpha val="90000"/>
-            <a:hueOff val="0"/>
-            <a:satOff val="0"/>
-            <a:lumOff val="0"/>
-            <a:alphaOff val="0"/>
-          </a:schemeClr>
-        </a:solidFill>
-        <a:ln w="12700" cap="flat" cmpd="sng" algn="ctr">
-          <a:solidFill>
-            <a:schemeClr val="accent3">
-              <a:tint val="40000"/>
-              <a:alpha val="90000"/>
-              <a:hueOff val="0"/>
-              <a:satOff val="0"/>
-              <a:lumOff val="0"/>
-              <a:alphaOff val="0"/>
-            </a:schemeClr>
-          </a:solidFill>
-          <a:prstDash val="solid"/>
-          <a:miter lim="800000"/>
-        </a:ln>
-        <a:effectLst/>
-      </dsp:spPr>
-      <dsp:style>
-        <a:lnRef idx="2">
-          <a:scrgbClr r="0" g="0" b="0"/>
-        </a:lnRef>
-        <a:fillRef idx="1">
-          <a:scrgbClr r="0" g="0" b="0"/>
-        </a:fillRef>
-        <a:effectRef idx="0">
-          <a:scrgbClr r="0" g="0" b="0"/>
-        </a:effectRef>
-        <a:fontRef idx="minor"/>
-      </dsp:style>
-      <dsp:txBody>
-        <a:bodyPr spcFirstLastPara="0" vert="horz" wrap="square" lIns="135128" tIns="24130" rIns="135128" bIns="24130" numCol="1" spcCol="1270" anchor="ctr" anchorCtr="0">
-          <a:noAutofit/>
-        </a:bodyPr>
-        <a:lstStyle/>
-        <a:p>
-          <a:pPr lvl="0" algn="l" defTabSz="914400">
-            <a:lnSpc>
-              <a:spcPct val="90000"/>
-            </a:lnSpc>
-            <a:spcBef>
-              <a:spcPct val="0"/>
-            </a:spcBef>
-            <a:spcAft>
-              <a:spcPct val="35000"/>
-            </a:spcAft>
-            <a:buNone/>
-          </a:pPr>
-          <a:r>
-            <a:rPr lang="fr-FR" sz="1900" b="0" i="0" kern="1200" noProof="0" dirty="0" smtClean="0">
-              <a:latin typeface="Franklin Gothic Medium"/>
-              <a:ea typeface="+mn-ea"/>
-              <a:cs typeface="+mn-cs"/>
-            </a:rPr>
-            <a:t>Description de la tâche</a:t>
-          </a:r>
-          <a:endParaRPr lang="fr-FR" sz="1900" b="0" i="0" kern="1200" noProof="0" dirty="0">
-            <a:latin typeface="Franklin Gothic Medium"/>
-            <a:ea typeface="+mn-ea"/>
-            <a:cs typeface="+mn-cs"/>
-          </a:endParaRPr>
-        </a:p>
-      </dsp:txBody>
-      <dsp:txXfrm>
-        <a:off x="0" y="4031779"/>
-        <a:ext cx="2667000" cy="519979"/>
-      </dsp:txXfrm>
-    </dsp:sp>
-    <dsp:sp modelId="{0F0AC827-ACAE-4C23-875D-A4B53006A73F}">
-      <dsp:nvSpPr>
-        <dsp:cNvPr id="0" name=""/>
-        <dsp:cNvSpPr/>
-      </dsp:nvSpPr>
-      <dsp:spPr>
-        <a:xfrm>
-          <a:off x="2667000" y="4031779"/>
-          <a:ext cx="2667000" cy="519979"/>
-        </a:xfrm>
-        <a:prstGeom prst="rect">
-          <a:avLst/>
-        </a:prstGeom>
-        <a:solidFill>
-          <a:schemeClr val="accent3">
-            <a:tint val="40000"/>
-            <a:alpha val="90000"/>
-            <a:hueOff val="405828"/>
-            <a:satOff val="20000"/>
-            <a:lumOff val="356"/>
-            <a:alphaOff val="0"/>
-          </a:schemeClr>
-        </a:solidFill>
-        <a:ln w="12700" cap="flat" cmpd="sng" algn="ctr">
-          <a:solidFill>
-            <a:schemeClr val="accent3">
-              <a:tint val="40000"/>
-              <a:alpha val="90000"/>
-              <a:hueOff val="405828"/>
-              <a:satOff val="20000"/>
-              <a:lumOff val="356"/>
-              <a:alphaOff val="0"/>
-            </a:schemeClr>
-          </a:solidFill>
-          <a:prstDash val="solid"/>
-          <a:miter lim="800000"/>
-        </a:ln>
-        <a:effectLst/>
-      </dsp:spPr>
-      <dsp:style>
-        <a:lnRef idx="2">
-          <a:scrgbClr r="0" g="0" b="0"/>
-        </a:lnRef>
-        <a:fillRef idx="1">
-          <a:scrgbClr r="0" g="0" b="0"/>
-        </a:fillRef>
-        <a:effectRef idx="0">
-          <a:scrgbClr r="0" g="0" b="0"/>
-        </a:effectRef>
-        <a:fontRef idx="minor"/>
-      </dsp:style>
-      <dsp:txBody>
-        <a:bodyPr spcFirstLastPara="0" vert="horz" wrap="square" lIns="135128" tIns="24130" rIns="135128" bIns="24130" numCol="1" spcCol="1270" anchor="ctr" anchorCtr="0">
-          <a:noAutofit/>
-        </a:bodyPr>
-        <a:lstStyle/>
-        <a:p>
-          <a:pPr lvl="0" algn="l" defTabSz="914400">
-            <a:lnSpc>
-              <a:spcPct val="90000"/>
-            </a:lnSpc>
-            <a:spcBef>
-              <a:spcPct val="0"/>
-            </a:spcBef>
-            <a:spcAft>
-              <a:spcPct val="35000"/>
-            </a:spcAft>
-            <a:buNone/>
-          </a:pPr>
-          <a:r>
-            <a:rPr lang="fr-FR" sz="1900" b="0" i="0" kern="1200" noProof="0" dirty="0" smtClean="0">
-              <a:latin typeface="Franklin Gothic Medium"/>
-              <a:ea typeface="+mn-ea"/>
-              <a:cs typeface="+mn-cs"/>
-            </a:rPr>
-            <a:t>Description de la tâche</a:t>
-          </a:r>
-          <a:endParaRPr lang="fr-FR" sz="1900" b="0" i="0" kern="1200" noProof="0" dirty="0">
-            <a:latin typeface="Franklin Gothic Medium"/>
-            <a:ea typeface="+mn-ea"/>
-            <a:cs typeface="+mn-cs"/>
-          </a:endParaRPr>
-        </a:p>
-      </dsp:txBody>
-      <dsp:txXfrm>
-        <a:off x="2667000" y="4031779"/>
-        <a:ext cx="2667000" cy="519979"/>
-      </dsp:txXfrm>
-    </dsp:sp>
-    <dsp:sp modelId="{80AD606B-F25E-46DF-B405-18F7D2EAE74A}">
-      <dsp:nvSpPr>
-        <dsp:cNvPr id="0" name=""/>
-        <dsp:cNvSpPr/>
-      </dsp:nvSpPr>
-      <dsp:spPr>
-        <a:xfrm rot="10800000">
-          <a:off x="0" y="1722392"/>
-          <a:ext cx="5334000" cy="1738539"/>
-        </a:xfrm>
-        <a:prstGeom prst="upArrowCallout">
-          <a:avLst/>
-        </a:prstGeom>
-        <a:solidFill>
-          <a:schemeClr val="accent3">
-            <a:hueOff val="1355300"/>
-            <a:satOff val="50000"/>
-            <a:lumOff val="-7353"/>
-            <a:alphaOff val="0"/>
-          </a:schemeClr>
-        </a:solidFill>
-        <a:ln w="12700" cap="flat" cmpd="sng" algn="ctr">
-          <a:solidFill>
-            <a:schemeClr val="lt1">
-              <a:hueOff val="0"/>
-              <a:satOff val="0"/>
-              <a:lumOff val="0"/>
-              <a:alphaOff val="0"/>
-            </a:schemeClr>
-          </a:solidFill>
-          <a:prstDash val="solid"/>
-          <a:miter lim="800000"/>
-        </a:ln>
-        <a:effectLst/>
-      </dsp:spPr>
-      <dsp:style>
-        <a:lnRef idx="2">
-          <a:scrgbClr r="0" g="0" b="0"/>
-        </a:lnRef>
-        <a:fillRef idx="1">
-          <a:scrgbClr r="0" g="0" b="0"/>
-        </a:fillRef>
-        <a:effectRef idx="0">
-          <a:scrgbClr r="0" g="0" b="0"/>
-        </a:effectRef>
-        <a:fontRef idx="minor">
-          <a:schemeClr val="lt1"/>
-        </a:fontRef>
-      </dsp:style>
-      <dsp:txBody>
-        <a:bodyPr spcFirstLastPara="0" vert="horz" wrap="square" lIns="156464" tIns="156464" rIns="156464" bIns="156464" numCol="1" spcCol="1270" anchor="ctr" anchorCtr="0">
-          <a:noAutofit/>
-        </a:bodyPr>
-        <a:lstStyle/>
-        <a:p>
-          <a:pPr lvl="0" algn="ctr" defTabSz="914400">
-            <a:lnSpc>
-              <a:spcPct val="90000"/>
-            </a:lnSpc>
-            <a:spcBef>
-              <a:spcPct val="0"/>
-            </a:spcBef>
-            <a:spcAft>
-              <a:spcPct val="35000"/>
-            </a:spcAft>
-            <a:buNone/>
-          </a:pPr>
-          <a:r>
-            <a:rPr lang="fr-FR" sz="2200" kern="1200" noProof="0" dirty="0" smtClean="0"/>
-            <a:t>Étape 2</a:t>
-          </a:r>
-          <a:endParaRPr lang="fr-FR" sz="2200" kern="1200" noProof="0" dirty="0"/>
-        </a:p>
-      </dsp:txBody>
-      <dsp:txXfrm rot="-10800000">
-        <a:off x="0" y="1722392"/>
-        <a:ext cx="5334000" cy="610227"/>
-      </dsp:txXfrm>
-    </dsp:sp>
-    <dsp:sp modelId="{A8E0F749-66B2-490B-99E9-CC106B163B16}">
-      <dsp:nvSpPr>
-        <dsp:cNvPr id="0" name=""/>
-        <dsp:cNvSpPr/>
-      </dsp:nvSpPr>
-      <dsp:spPr>
-        <a:xfrm>
-          <a:off x="0" y="2332619"/>
-          <a:ext cx="2667000" cy="519823"/>
-        </a:xfrm>
-        <a:prstGeom prst="rect">
-          <a:avLst/>
-        </a:prstGeom>
-        <a:solidFill>
-          <a:schemeClr val="accent3">
-            <a:tint val="40000"/>
-            <a:alpha val="90000"/>
-            <a:hueOff val="811656"/>
-            <a:satOff val="40000"/>
-            <a:lumOff val="712"/>
-            <a:alphaOff val="0"/>
-          </a:schemeClr>
-        </a:solidFill>
-        <a:ln w="12700" cap="flat" cmpd="sng" algn="ctr">
-          <a:solidFill>
-            <a:schemeClr val="accent3">
-              <a:tint val="40000"/>
-              <a:alpha val="90000"/>
-              <a:hueOff val="811656"/>
-              <a:satOff val="40000"/>
-              <a:lumOff val="712"/>
-              <a:alphaOff val="0"/>
-            </a:schemeClr>
-          </a:solidFill>
-          <a:prstDash val="solid"/>
-          <a:miter lim="800000"/>
-        </a:ln>
-        <a:effectLst/>
-      </dsp:spPr>
-      <dsp:style>
-        <a:lnRef idx="2">
-          <a:scrgbClr r="0" g="0" b="0"/>
-        </a:lnRef>
-        <a:fillRef idx="1">
-          <a:scrgbClr r="0" g="0" b="0"/>
-        </a:fillRef>
-        <a:effectRef idx="0">
-          <a:scrgbClr r="0" g="0" b="0"/>
-        </a:effectRef>
-        <a:fontRef idx="minor"/>
-      </dsp:style>
-      <dsp:txBody>
-        <a:bodyPr spcFirstLastPara="0" vert="horz" wrap="square" lIns="135128" tIns="24130" rIns="135128" bIns="24130" numCol="1" spcCol="1270" anchor="ctr" anchorCtr="0">
-          <a:noAutofit/>
-        </a:bodyPr>
-        <a:lstStyle/>
-        <a:p>
-          <a:pPr lvl="0" algn="l" defTabSz="914400">
-            <a:lnSpc>
-              <a:spcPct val="90000"/>
-            </a:lnSpc>
-            <a:spcBef>
-              <a:spcPct val="0"/>
-            </a:spcBef>
-            <a:spcAft>
-              <a:spcPct val="35000"/>
-            </a:spcAft>
-            <a:buNone/>
-          </a:pPr>
-          <a:r>
-            <a:rPr lang="fr-FR" sz="1900" b="0" i="0" kern="1200" noProof="0" dirty="0" smtClean="0">
-              <a:latin typeface="Franklin Gothic Medium"/>
-              <a:ea typeface="+mn-ea"/>
-              <a:cs typeface="+mn-cs"/>
-            </a:rPr>
-            <a:t>Description de la tâche</a:t>
-          </a:r>
-          <a:endParaRPr lang="fr-FR" sz="1900" b="0" i="0" kern="1200" noProof="0" dirty="0">
-            <a:latin typeface="Franklin Gothic Medium"/>
-            <a:ea typeface="+mn-ea"/>
-            <a:cs typeface="+mn-cs"/>
-          </a:endParaRPr>
-        </a:p>
-      </dsp:txBody>
-      <dsp:txXfrm>
-        <a:off x="0" y="2332619"/>
-        <a:ext cx="2667000" cy="519823"/>
-      </dsp:txXfrm>
-    </dsp:sp>
-    <dsp:sp modelId="{A6EE397C-6C28-4128-BFFE-CFF44F70153F}">
-      <dsp:nvSpPr>
-        <dsp:cNvPr id="0" name=""/>
-        <dsp:cNvSpPr/>
-      </dsp:nvSpPr>
-      <dsp:spPr>
-        <a:xfrm>
-          <a:off x="2667000" y="2332619"/>
-          <a:ext cx="2667000" cy="519823"/>
-        </a:xfrm>
-        <a:prstGeom prst="rect">
-          <a:avLst/>
-        </a:prstGeom>
-        <a:solidFill>
-          <a:schemeClr val="accent3">
-            <a:tint val="40000"/>
-            <a:alpha val="90000"/>
-            <a:hueOff val="1217485"/>
-            <a:satOff val="60000"/>
-            <a:lumOff val="1067"/>
-            <a:alphaOff val="0"/>
-          </a:schemeClr>
-        </a:solidFill>
-        <a:ln w="12700" cap="flat" cmpd="sng" algn="ctr">
-          <a:solidFill>
-            <a:schemeClr val="accent3">
-              <a:tint val="40000"/>
-              <a:alpha val="90000"/>
-              <a:hueOff val="1217485"/>
-              <a:satOff val="60000"/>
-              <a:lumOff val="1067"/>
-              <a:alphaOff val="0"/>
-            </a:schemeClr>
-          </a:solidFill>
-          <a:prstDash val="solid"/>
-          <a:miter lim="800000"/>
-        </a:ln>
-        <a:effectLst/>
-      </dsp:spPr>
-      <dsp:style>
-        <a:lnRef idx="2">
-          <a:scrgbClr r="0" g="0" b="0"/>
-        </a:lnRef>
-        <a:fillRef idx="1">
-          <a:scrgbClr r="0" g="0" b="0"/>
-        </a:fillRef>
-        <a:effectRef idx="0">
-          <a:scrgbClr r="0" g="0" b="0"/>
-        </a:effectRef>
-        <a:fontRef idx="minor"/>
-      </dsp:style>
-      <dsp:txBody>
-        <a:bodyPr spcFirstLastPara="0" vert="horz" wrap="square" lIns="135128" tIns="24130" rIns="135128" bIns="24130" numCol="1" spcCol="1270" anchor="ctr" anchorCtr="0">
-          <a:noAutofit/>
-        </a:bodyPr>
-        <a:lstStyle/>
-        <a:p>
-          <a:pPr lvl="0" algn="l" defTabSz="914400">
-            <a:lnSpc>
-              <a:spcPct val="90000"/>
-            </a:lnSpc>
-            <a:spcBef>
-              <a:spcPct val="0"/>
-            </a:spcBef>
-            <a:spcAft>
-              <a:spcPct val="35000"/>
-            </a:spcAft>
-            <a:buNone/>
-          </a:pPr>
-          <a:r>
-            <a:rPr lang="fr-FR" sz="1900" b="0" i="0" kern="1200" noProof="0" dirty="0" smtClean="0">
-              <a:latin typeface="Franklin Gothic Medium"/>
-              <a:ea typeface="+mn-ea"/>
-              <a:cs typeface="+mn-cs"/>
-            </a:rPr>
-            <a:t>Description de la tâche</a:t>
-          </a:r>
-          <a:endParaRPr lang="fr-FR" sz="1900" b="0" i="0" kern="1200" noProof="0" dirty="0">
-            <a:latin typeface="Franklin Gothic Medium"/>
-            <a:ea typeface="+mn-ea"/>
-            <a:cs typeface="+mn-cs"/>
-          </a:endParaRPr>
-        </a:p>
-      </dsp:txBody>
-      <dsp:txXfrm>
-        <a:off x="2667000" y="2332619"/>
-        <a:ext cx="2667000" cy="519823"/>
-      </dsp:txXfrm>
-    </dsp:sp>
-    <dsp:sp modelId="{A48265CE-F3A3-46DB-9DD2-97590B4DBB84}">
-      <dsp:nvSpPr>
-        <dsp:cNvPr id="0" name=""/>
-        <dsp:cNvSpPr/>
-      </dsp:nvSpPr>
-      <dsp:spPr>
-        <a:xfrm rot="10800000">
-          <a:off x="0" y="808"/>
-          <a:ext cx="5334000" cy="1738539"/>
-        </a:xfrm>
-        <a:prstGeom prst="upArrowCallout">
-          <a:avLst/>
-        </a:prstGeom>
-        <a:solidFill>
-          <a:schemeClr val="accent3">
-            <a:hueOff val="2710599"/>
-            <a:satOff val="100000"/>
-            <a:lumOff val="-14706"/>
-            <a:alphaOff val="0"/>
-          </a:schemeClr>
-        </a:solidFill>
-        <a:ln w="12700" cap="flat" cmpd="sng" algn="ctr">
-          <a:solidFill>
-            <a:schemeClr val="lt1">
-              <a:hueOff val="0"/>
-              <a:satOff val="0"/>
-              <a:lumOff val="0"/>
-              <a:alphaOff val="0"/>
-            </a:schemeClr>
-          </a:solidFill>
-          <a:prstDash val="solid"/>
-          <a:miter lim="800000"/>
-        </a:ln>
-        <a:effectLst/>
-      </dsp:spPr>
-      <dsp:style>
-        <a:lnRef idx="2">
-          <a:scrgbClr r="0" g="0" b="0"/>
-        </a:lnRef>
-        <a:fillRef idx="1">
-          <a:scrgbClr r="0" g="0" b="0"/>
-        </a:fillRef>
-        <a:effectRef idx="0">
-          <a:scrgbClr r="0" g="0" b="0"/>
-        </a:effectRef>
-        <a:fontRef idx="minor">
-          <a:schemeClr val="lt1"/>
-        </a:fontRef>
-      </dsp:style>
-      <dsp:txBody>
-        <a:bodyPr spcFirstLastPara="0" vert="horz" wrap="square" lIns="156464" tIns="156464" rIns="156464" bIns="156464" numCol="1" spcCol="1270" anchor="ctr" anchorCtr="0">
-          <a:noAutofit/>
-        </a:bodyPr>
-        <a:lstStyle/>
-        <a:p>
-          <a:pPr lvl="0" algn="ctr" defTabSz="914400">
-            <a:lnSpc>
-              <a:spcPct val="90000"/>
-            </a:lnSpc>
-            <a:spcBef>
-              <a:spcPct val="0"/>
-            </a:spcBef>
-            <a:spcAft>
-              <a:spcPct val="35000"/>
-            </a:spcAft>
-            <a:buNone/>
-          </a:pPr>
-          <a:r>
-            <a:rPr lang="fr-FR" sz="2200" kern="1200" noProof="0" dirty="0" smtClean="0"/>
-            <a:t>Étape 1</a:t>
-          </a:r>
-          <a:endParaRPr lang="fr-FR" sz="2200" kern="1200" noProof="0" dirty="0"/>
-        </a:p>
-      </dsp:txBody>
-      <dsp:txXfrm rot="-10800000">
-        <a:off x="0" y="808"/>
-        <a:ext cx="5334000" cy="610227"/>
-      </dsp:txXfrm>
-    </dsp:sp>
-    <dsp:sp modelId="{59FFE57C-E5F2-4FBD-AA4D-8DB27381892F}">
-      <dsp:nvSpPr>
-        <dsp:cNvPr id="0" name=""/>
-        <dsp:cNvSpPr/>
-      </dsp:nvSpPr>
-      <dsp:spPr>
-        <a:xfrm>
-          <a:off x="0" y="611036"/>
-          <a:ext cx="2667000" cy="519823"/>
-        </a:xfrm>
-        <a:prstGeom prst="rect">
-          <a:avLst/>
-        </a:prstGeom>
-        <a:solidFill>
-          <a:schemeClr val="accent3">
-            <a:tint val="40000"/>
-            <a:alpha val="90000"/>
-            <a:hueOff val="1623313"/>
-            <a:satOff val="80000"/>
-            <a:lumOff val="1423"/>
-            <a:alphaOff val="0"/>
-          </a:schemeClr>
-        </a:solidFill>
-        <a:ln w="12700" cap="flat" cmpd="sng" algn="ctr">
-          <a:solidFill>
-            <a:schemeClr val="accent3">
-              <a:tint val="40000"/>
-              <a:alpha val="90000"/>
-              <a:hueOff val="1623313"/>
-              <a:satOff val="80000"/>
-              <a:lumOff val="1423"/>
-              <a:alphaOff val="0"/>
-            </a:schemeClr>
-          </a:solidFill>
-          <a:prstDash val="solid"/>
-          <a:miter lim="800000"/>
-        </a:ln>
-        <a:effectLst/>
-      </dsp:spPr>
-      <dsp:style>
-        <a:lnRef idx="2">
-          <a:scrgbClr r="0" g="0" b="0"/>
-        </a:lnRef>
-        <a:fillRef idx="1">
-          <a:scrgbClr r="0" g="0" b="0"/>
-        </a:fillRef>
-        <a:effectRef idx="0">
-          <a:scrgbClr r="0" g="0" b="0"/>
-        </a:effectRef>
-        <a:fontRef idx="minor"/>
-      </dsp:style>
-      <dsp:txBody>
-        <a:bodyPr spcFirstLastPara="0" vert="horz" wrap="square" lIns="135128" tIns="24130" rIns="135128" bIns="24130" numCol="1" spcCol="1270" anchor="ctr" anchorCtr="0">
-          <a:noAutofit/>
-        </a:bodyPr>
-        <a:lstStyle/>
-        <a:p>
-          <a:pPr lvl="0" algn="l" defTabSz="914400">
-            <a:lnSpc>
-              <a:spcPct val="90000"/>
-            </a:lnSpc>
-            <a:spcBef>
-              <a:spcPct val="0"/>
-            </a:spcBef>
-            <a:spcAft>
-              <a:spcPct val="35000"/>
-            </a:spcAft>
-            <a:buNone/>
-          </a:pPr>
-          <a:r>
-            <a:rPr lang="fr-FR" sz="1900" b="0" i="0" kern="1200" noProof="0" dirty="0" smtClean="0">
-              <a:latin typeface="Franklin Gothic Medium"/>
-              <a:ea typeface="+mn-ea"/>
-              <a:cs typeface="+mn-cs"/>
-            </a:rPr>
-            <a:t>Description de la tâche</a:t>
-          </a:r>
-          <a:endParaRPr lang="fr-FR" sz="1900" b="0" i="0" kern="1200" noProof="0" dirty="0">
-            <a:latin typeface="Franklin Gothic Medium"/>
-            <a:ea typeface="+mn-ea"/>
-            <a:cs typeface="+mn-cs"/>
-          </a:endParaRPr>
-        </a:p>
-      </dsp:txBody>
-      <dsp:txXfrm>
-        <a:off x="0" y="611036"/>
-        <a:ext cx="2667000" cy="519823"/>
-      </dsp:txXfrm>
-    </dsp:sp>
-    <dsp:sp modelId="{3EC7D028-ECEA-492B-A6F1-68E9B57B69C6}">
-      <dsp:nvSpPr>
-        <dsp:cNvPr id="0" name=""/>
-        <dsp:cNvSpPr/>
-      </dsp:nvSpPr>
-      <dsp:spPr>
-        <a:xfrm>
-          <a:off x="2667000" y="611036"/>
-          <a:ext cx="2667000" cy="519823"/>
-        </a:xfrm>
-        <a:prstGeom prst="rect">
-          <a:avLst/>
-        </a:prstGeom>
-        <a:solidFill>
-          <a:schemeClr val="accent3">
-            <a:tint val="40000"/>
-            <a:alpha val="90000"/>
-            <a:hueOff val="2029141"/>
-            <a:satOff val="100000"/>
-            <a:lumOff val="1779"/>
-            <a:alphaOff val="0"/>
-          </a:schemeClr>
-        </a:solidFill>
-        <a:ln w="12700" cap="flat" cmpd="sng" algn="ctr">
-          <a:solidFill>
-            <a:schemeClr val="accent3">
-              <a:tint val="40000"/>
-              <a:alpha val="90000"/>
-              <a:hueOff val="2029141"/>
-              <a:satOff val="100000"/>
-              <a:lumOff val="1779"/>
-              <a:alphaOff val="0"/>
-            </a:schemeClr>
-          </a:solidFill>
-          <a:prstDash val="solid"/>
-          <a:miter lim="800000"/>
-        </a:ln>
-        <a:effectLst/>
-      </dsp:spPr>
-      <dsp:style>
-        <a:lnRef idx="2">
-          <a:scrgbClr r="0" g="0" b="0"/>
-        </a:lnRef>
-        <a:fillRef idx="1">
-          <a:scrgbClr r="0" g="0" b="0"/>
-        </a:fillRef>
-        <a:effectRef idx="0">
-          <a:scrgbClr r="0" g="0" b="0"/>
-        </a:effectRef>
-        <a:fontRef idx="minor"/>
-      </dsp:style>
-      <dsp:txBody>
-        <a:bodyPr spcFirstLastPara="0" vert="horz" wrap="square" lIns="135128" tIns="24130" rIns="135128" bIns="24130" numCol="1" spcCol="1270" anchor="ctr" anchorCtr="0">
-          <a:noAutofit/>
-        </a:bodyPr>
-        <a:lstStyle/>
-        <a:p>
-          <a:pPr lvl="0" algn="l" defTabSz="914400">
-            <a:lnSpc>
-              <a:spcPct val="90000"/>
-            </a:lnSpc>
-            <a:spcBef>
-              <a:spcPct val="0"/>
-            </a:spcBef>
-            <a:spcAft>
-              <a:spcPct val="35000"/>
-            </a:spcAft>
-            <a:buNone/>
-          </a:pPr>
-          <a:r>
-            <a:rPr lang="fr-FR" sz="1900" b="0" i="0" kern="1200" noProof="0" dirty="0" smtClean="0">
-              <a:latin typeface="Franklin Gothic Medium"/>
-              <a:ea typeface="+mn-ea"/>
-              <a:cs typeface="+mn-cs"/>
-            </a:rPr>
-            <a:t>Description de la tâche</a:t>
-          </a:r>
-          <a:endParaRPr lang="fr-FR" sz="1900" b="0" i="0" kern="1200" noProof="0" dirty="0">
-            <a:latin typeface="Franklin Gothic Medium"/>
-            <a:ea typeface="+mn-ea"/>
-            <a:cs typeface="+mn-cs"/>
-          </a:endParaRPr>
-        </a:p>
-      </dsp:txBody>
-      <dsp:txXfrm>
-        <a:off x="2667000" y="611036"/>
-        <a:ext cx="2667000" cy="519823"/>
-      </dsp:txXfrm>
-    </dsp:sp>
   </dsp:spTree>
 </dsp:drawing>
 </file>
@@ -3847,7 +3076,7 @@
           <a:p>
             <a:fld id="{043B725B-653D-4166-A8E9-72A38A1847CF}" type="datetimeFigureOut">
               <a:rPr lang="es-ES"/>
-              <a:t>29/10/2014</a:t>
+              <a:t>30/10/2014</a:t>
             </a:fld>
             <a:endParaRPr/>
           </a:p>
@@ -3913,7 +3142,7 @@
           <a:p>
             <a:fld id="{9E861E8E-D392-497B-BB21-122DD7C27CF3}" type="slidenum">
               <a:rPr/>
-              <a:t>‹N°›</a:t>
+              <a:t>‹#›</a:t>
             </a:fld>
             <a:endParaRPr/>
           </a:p>
@@ -4012,7 +3241,7 @@
           <a:p>
             <a:fld id="{783F64CD-0576-4A9A-BD06-7889D6E60BDC}" type="datetimeFigureOut">
               <a:rPr lang="es-ES"/>
-              <a:t>29/10/2014</a:t>
+              <a:t>30/10/2014</a:t>
             </a:fld>
             <a:endParaRPr/>
           </a:p>
@@ -4170,7 +3399,7 @@
           <a:p>
             <a:fld id="{9555D449-B875-4B8D-8E66-224D27E54C9A}" type="slidenum">
               <a:rPr/>
-              <a:t>‹N°›</a:t>
+              <a:t>‹#›</a:t>
             </a:fld>
             <a:endParaRPr/>
           </a:p>
@@ -4603,7 +3832,7 @@
           <a:p>
             <a:fld id="{37CC0096-1860-4642-9CD2-0079EA5E7CD1}" type="datetimeFigureOut">
               <a:rPr lang="es-ES"/>
-              <a:t>29/10/2014</a:t>
+              <a:t>30/10/2014</a:t>
             </a:fld>
             <a:endParaRPr/>
           </a:p>
@@ -4645,7 +3874,7 @@
           <a:p>
             <a:fld id="{E31375A4-56A4-47D6-9801-1991572033F7}" type="slidenum">
               <a:rPr/>
-              <a:t>‹N°›</a:t>
+              <a:t>‹#›</a:t>
             </a:fld>
             <a:endParaRPr/>
           </a:p>
@@ -4859,7 +4088,7 @@
           <a:p>
             <a:fld id="{37CC0096-1860-4642-9CD2-0079EA5E7CD1}" type="datetimeFigureOut">
               <a:rPr lang="es-ES"/>
-              <a:t>29/10/2014</a:t>
+              <a:t>30/10/2014</a:t>
             </a:fld>
             <a:endParaRPr/>
           </a:p>
@@ -4901,7 +4130,7 @@
           <a:p>
             <a:fld id="{E31375A4-56A4-47D6-9801-1991572033F7}" type="slidenum">
               <a:rPr/>
-              <a:t>‹N°›</a:t>
+              <a:t>‹#›</a:t>
             </a:fld>
             <a:endParaRPr/>
           </a:p>
@@ -5052,7 +4281,7 @@
           <a:p>
             <a:fld id="{37CC0096-1860-4642-9CD2-0079EA5E7CD1}" type="datetimeFigureOut">
               <a:rPr lang="es-ES"/>
-              <a:t>29/10/2014</a:t>
+              <a:t>30/10/2014</a:t>
             </a:fld>
             <a:endParaRPr/>
           </a:p>
@@ -5094,7 +4323,7 @@
           <a:p>
             <a:fld id="{E31375A4-56A4-47D6-9801-1991572033F7}" type="slidenum">
               <a:rPr/>
-              <a:t>‹N°›</a:t>
+              <a:t>‹#›</a:t>
             </a:fld>
             <a:endParaRPr/>
           </a:p>
@@ -5597,7 +4826,7 @@
           <a:p>
             <a:fld id="{37CC0096-1860-4642-9CD2-0079EA5E7CD1}" type="datetimeFigureOut">
               <a:rPr lang="es-ES"/>
-              <a:t>29/10/2014</a:t>
+              <a:t>30/10/2014</a:t>
             </a:fld>
             <a:endParaRPr/>
           </a:p>
@@ -5639,7 +4868,7 @@
           <a:p>
             <a:fld id="{E31375A4-56A4-47D6-9801-1991572033F7}" type="slidenum">
               <a:rPr/>
-              <a:t>‹N°›</a:t>
+              <a:t>‹#›</a:t>
             </a:fld>
             <a:endParaRPr/>
           </a:p>
@@ -6061,7 +5290,7 @@
           <a:p>
             <a:fld id="{37CC0096-1860-4642-9CD2-0079EA5E7CD1}" type="datetimeFigureOut">
               <a:rPr lang="es-ES"/>
-              <a:t>29/10/2014</a:t>
+              <a:t>30/10/2014</a:t>
             </a:fld>
             <a:endParaRPr/>
           </a:p>
@@ -6103,7 +5332,7 @@
           <a:p>
             <a:fld id="{E31375A4-56A4-47D6-9801-1991572033F7}" type="slidenum">
               <a:rPr/>
-              <a:t>‹N°›</a:t>
+              <a:t>‹#›</a:t>
             </a:fld>
             <a:endParaRPr/>
           </a:p>
@@ -6198,7 +5427,7 @@
           <a:p>
             <a:fld id="{37CC0096-1860-4642-9CD2-0079EA5E7CD1}" type="datetimeFigureOut">
               <a:rPr lang="es-ES"/>
-              <a:t>29/10/2014</a:t>
+              <a:t>30/10/2014</a:t>
             </a:fld>
             <a:endParaRPr/>
           </a:p>
@@ -6240,7 +5469,7 @@
           <a:p>
             <a:fld id="{E31375A4-56A4-47D6-9801-1991572033F7}" type="slidenum">
               <a:rPr/>
-              <a:t>‹N°›</a:t>
+              <a:t>‹#›</a:t>
             </a:fld>
             <a:endParaRPr/>
           </a:p>
@@ -6312,7 +5541,7 @@
           <a:p>
             <a:fld id="{37CC0096-1860-4642-9CD2-0079EA5E7CD1}" type="datetimeFigureOut">
               <a:rPr lang="es-ES"/>
-              <a:t>29/10/2014</a:t>
+              <a:t>30/10/2014</a:t>
             </a:fld>
             <a:endParaRPr/>
           </a:p>
@@ -6354,7 +5583,7 @@
           <a:p>
             <a:fld id="{E31375A4-56A4-47D6-9801-1991572033F7}" type="slidenum">
               <a:rPr/>
-              <a:t>‹N°›</a:t>
+              <a:t>‹#›</a:t>
             </a:fld>
             <a:endParaRPr/>
           </a:p>
@@ -7306,7 +6535,7 @@
             <a:fld id="{37CC0096-1860-4642-9CD2-0079EA5E7CD1}" type="datetimeFigureOut">
               <a:rPr lang="es-ES"/>
               <a:pPr/>
-              <a:t>29/10/2014</a:t>
+              <a:t>30/10/2014</a:t>
             </a:fld>
             <a:endParaRPr/>
           </a:p>
@@ -7381,7 +6610,7 @@
             <a:fld id="{E31375A4-56A4-47D6-9801-1991572033F7}" type="slidenum">
               <a:rPr/>
               <a:pPr/>
-              <a:t>‹N°›</a:t>
+              <a:t>‹#›</a:t>
             </a:fld>
             <a:endParaRPr/>
           </a:p>
@@ -7873,15 +7102,22 @@
           <a:lstStyle/>
           <a:p>
             <a:r>
-              <a:rPr lang="fr-FR" dirty="0" smtClean="0">
+              <a:rPr lang="fr-FR" smtClean="0">
                 <a:solidFill>
                   <a:schemeClr val="bg2">
                     <a:lumMod val="25000"/>
                   </a:schemeClr>
                 </a:solidFill>
               </a:rPr>
-              <a:t>Raphaël …</a:t>
-            </a:r>
+              <a:t>Raphaël ARROUAS</a:t>
+            </a:r>
+            <a:endParaRPr lang="fr-FR" dirty="0" smtClean="0">
+              <a:solidFill>
+                <a:schemeClr val="bg2">
+                  <a:lumMod val="25000"/>
+                </a:schemeClr>
+              </a:solidFill>
+            </a:endParaRPr>
           </a:p>
           <a:p>
             <a:r>
@@ -8355,11 +7591,15 @@
             </a:r>
             <a:r>
               <a:rPr lang="fr-FR" dirty="0" err="1" smtClean="0"/>
-              <a:t>Levinson-Durbin</a:t>
+              <a:t>Levinston-Durbin</a:t>
             </a:r>
             <a:r>
               <a:rPr lang="fr-FR" dirty="0" smtClean="0"/>
-              <a:t> :</a:t>
+              <a:t> </a:t>
+            </a:r>
+            <a:r>
+              <a:rPr lang="fr-FR" dirty="0" smtClean="0"/>
+              <a:t>:</a:t>
             </a:r>
             <a:endParaRPr lang="fr-FR" dirty="0"/>
           </a:p>
